--- a/Sudhanshu_Bhagat_Profile_Apply.pptx
+++ b/Sudhanshu_Bhagat_Profile_Apply.pptx
@@ -13424,8 +13424,8 @@
         </p:nvSpPr>
         <p:spPr bwMode="auto">
           <a:xfrm>
-            <a:off x="245782" y="4191000"/>
-            <a:ext cx="5363816" cy="1323439"/>
+            <a:off x="317262" y="4442412"/>
+            <a:ext cx="4752577" cy="1323439"/>
           </a:xfrm>
           <a:prstGeom prst="rect">
             <a:avLst/>
@@ -13556,8 +13556,8 @@
         </p:nvSpPr>
         <p:spPr bwMode="auto">
           <a:xfrm>
-            <a:off x="245782" y="1968477"/>
-            <a:ext cx="5504646" cy="2349361"/>
+            <a:off x="245781" y="1968477"/>
+            <a:ext cx="5656033" cy="2708434"/>
           </a:xfrm>
           <a:prstGeom prst="rect">
             <a:avLst/>
@@ -13673,26 +13673,26 @@
               <a:buChar char="•"/>
               <a:defRPr/>
             </a:pPr>
+            <a:endParaRPr lang="en-US" sz="1000" dirty="0">
+              <a:latin typeface="Calibri" panose="020F0502020204030204" pitchFamily="34" charset="0"/>
+              <a:cs typeface="Calibri" panose="020F0502020204030204" pitchFamily="34" charset="0"/>
+            </a:endParaRPr>
+          </a:p>
+          <a:p>
+            <a:pPr marL="171450" indent="-171450" defTabSz="592622">
+              <a:spcBef>
+                <a:spcPts val="400"/>
+              </a:spcBef>
+              <a:buFont typeface="Arial" panose="020B0604020202020204" pitchFamily="34" charset="0"/>
+              <a:buChar char="•"/>
+              <a:defRPr/>
+            </a:pPr>
             <a:r>
               <a:rPr lang="en-US" sz="1000" dirty="0">
                 <a:latin typeface="Calibri" panose="020F0502020204030204" pitchFamily="34" charset="0"/>
                 <a:cs typeface="Calibri" panose="020F0502020204030204" pitchFamily="34" charset="0"/>
               </a:rPr>
-              <a:t>2 Years  full time and 6 </a:t>
-            </a:r>
-            <a:r>
-              <a:rPr lang="en-US" sz="1000">
-                <a:latin typeface="Calibri" panose="020F0502020204030204" pitchFamily="34" charset="0"/>
-                <a:cs typeface="Calibri" panose="020F0502020204030204" pitchFamily="34" charset="0"/>
-              </a:rPr>
-              <a:t>Months Internship  </a:t>
-            </a:r>
-            <a:r>
-              <a:rPr lang="en-US" sz="1000" dirty="0">
-                <a:latin typeface="Calibri" panose="020F0502020204030204" pitchFamily="34" charset="0"/>
-                <a:cs typeface="Calibri" panose="020F0502020204030204" pitchFamily="34" charset="0"/>
-              </a:rPr>
-              <a:t>of experience in RPA + Document  Understanding.</a:t>
+              <a:t>2 Years  full time and 6 Months Internship  of experience At Persistent System  in RPA + Document  Understanding.</a:t>
             </a:r>
           </a:p>
           <a:p>
@@ -14643,7 +14643,7 @@
         </p:nvSpPr>
         <p:spPr bwMode="auto">
           <a:xfrm>
-            <a:off x="245782" y="5510997"/>
+            <a:off x="300447" y="5537349"/>
             <a:ext cx="5486400" cy="274320"/>
           </a:xfrm>
           <a:prstGeom prst="rect">
@@ -14748,7 +14748,27 @@
                 <a:latin typeface="Calibri" panose="020F0502020204030204" pitchFamily="34" charset="0"/>
                 <a:cs typeface="Calibri" panose="020F0502020204030204" pitchFamily="34" charset="0"/>
               </a:rPr>
-              <a:t>Primary Skill –  Robotic Process Automation</a:t>
+              <a:t>Primary Skill –  Robotic Process </a:t>
+            </a:r>
+            <a:r>
+              <a:rPr lang="en-US" sz="1000" dirty="0" err="1">
+                <a:solidFill>
+                  <a:srgbClr val="201D28"/>
+                </a:solidFill>
+                <a:latin typeface="Calibri" panose="020F0502020204030204" pitchFamily="34" charset="0"/>
+                <a:cs typeface="Calibri" panose="020F0502020204030204" pitchFamily="34" charset="0"/>
+              </a:rPr>
+              <a:t>Automation,AI</a:t>
+            </a:r>
+            <a:r>
+              <a:rPr lang="en-US" sz="1000" dirty="0">
+                <a:solidFill>
+                  <a:srgbClr val="201D28"/>
+                </a:solidFill>
+                <a:latin typeface="Calibri" panose="020F0502020204030204" pitchFamily="34" charset="0"/>
+                <a:cs typeface="Calibri" panose="020F0502020204030204" pitchFamily="34" charset="0"/>
+              </a:rPr>
+              <a:t> CENTER ,Excel Formula</a:t>
             </a:r>
           </a:p>
           <a:p>
@@ -15073,7 +15093,7 @@
         </p:nvSpPr>
         <p:spPr bwMode="auto">
           <a:xfrm>
-            <a:off x="245782" y="4026746"/>
+            <a:off x="414283" y="4305252"/>
             <a:ext cx="5486400" cy="274320"/>
           </a:xfrm>
           <a:prstGeom prst="rect">
@@ -15195,7 +15215,7 @@
         <p:spPr>
           <a:xfrm>
             <a:off x="1641087" y="204291"/>
-            <a:ext cx="4091095" cy="1419006"/>
+            <a:ext cx="4091095" cy="1292811"/>
           </a:xfrm>
           <a:prstGeom prst="rect">
             <a:avLst/>
@@ -15319,7 +15339,7 @@
         <p:spPr>
           <a:xfrm>
             <a:off x="317263" y="182220"/>
-            <a:ext cx="1182550" cy="1477072"/>
+            <a:ext cx="1182550" cy="1390277"/>
           </a:xfrm>
           <a:prstGeom prst="rect">
             <a:avLst/>
@@ -16284,6 +16304,15 @@
 </file>
 
 <file path=customXml/item2.xml><?xml version="1.0" encoding="utf-8"?>
+<?mso-contentType ?>
+<FormTemplates xmlns="http://schemas.microsoft.com/sharepoint/v3/contenttype/forms">
+  <Display>DocumentLibraryForm</Display>
+  <Edit>DocumentLibraryForm</Edit>
+  <New>DocumentLibraryForm</New>
+</FormTemplates>
+</file>
+
+<file path=customXml/item3.xml><?xml version="1.0" encoding="utf-8"?>
 <ct:contentTypeSchema xmlns:ct="http://schemas.microsoft.com/office/2006/metadata/contentType" xmlns:ma="http://schemas.microsoft.com/office/2006/metadata/properties/metaAttributes" ct:_="" ma:_="" ma:contentTypeName="Document" ma:contentTypeID="0x0101006FCE388F0D3A4840B5648DCA1DAD5E0D" ma:contentTypeVersion="15" ma:contentTypeDescription="Create a new document." ma:contentTypeScope="" ma:versionID="ca6b9541564ea6f78212b1a354484dd7">
   <xsd:schema xmlns:xsd="http://www.w3.org/2001/XMLSchema" xmlns:xs="http://www.w3.org/2001/XMLSchema" xmlns:p="http://schemas.microsoft.com/office/2006/metadata/properties" xmlns:ns3="b5bbe021-fd5e-40ec-83d7-055b95ca5096" xmlns:ns4="cf13d63e-1a1c-4b95-99eb-b3db55319038" targetNamespace="http://schemas.microsoft.com/office/2006/metadata/properties" ma:root="true" ma:fieldsID="aeae8c865a032fdbe3f9d41f55f0b872" ns3:_="" ns4:_="">
     <xsd:import namespace="b5bbe021-fd5e-40ec-83d7-055b95ca5096"/>
@@ -16518,15 +16547,6 @@
 </ct:contentTypeSchema>
 </file>
 
-<file path=customXml/item3.xml><?xml version="1.0" encoding="utf-8"?>
-<?mso-contentType ?>
-<FormTemplates xmlns="http://schemas.microsoft.com/sharepoint/v3/contenttype/forms">
-  <Display>DocumentLibraryForm</Display>
-  <Edit>DocumentLibraryForm</Edit>
-  <New>DocumentLibraryForm</New>
-</FormTemplates>
-</file>
-
 <file path=customXml/itemProps1.xml><?xml version="1.0" encoding="utf-8"?>
 <ds:datastoreItem xmlns:ds="http://schemas.openxmlformats.org/officeDocument/2006/customXml" ds:itemID="{A0A33828-6408-4DBC-ADCB-1A46AB20B9CE}">
   <ds:schemaRefs>
@@ -16545,6 +16565,14 @@
 </file>
 
 <file path=customXml/itemProps2.xml><?xml version="1.0" encoding="utf-8"?>
+<ds:datastoreItem xmlns:ds="http://schemas.openxmlformats.org/officeDocument/2006/customXml" ds:itemID="{9DCB7072-ECB6-4F54-AA7F-115C374A178B}">
+  <ds:schemaRefs>
+    <ds:schemaRef ds:uri="http://schemas.microsoft.com/sharepoint/v3/contenttype/forms"/>
+  </ds:schemaRefs>
+</ds:datastoreItem>
+</file>
+
+<file path=customXml/itemProps3.xml><?xml version="1.0" encoding="utf-8"?>
 <ds:datastoreItem xmlns:ds="http://schemas.openxmlformats.org/officeDocument/2006/customXml" ds:itemID="{E60FB022-B64A-48BB-B9F0-D7E5791F877F}">
   <ds:schemaRefs>
     <ds:schemaRef ds:uri="http://schemas.microsoft.com/office/2006/metadata/contentType"/>
@@ -16563,14 +16591,6 @@
 </ds:datastoreItem>
 </file>
 
-<file path=customXml/itemProps3.xml><?xml version="1.0" encoding="utf-8"?>
-<ds:datastoreItem xmlns:ds="http://schemas.openxmlformats.org/officeDocument/2006/customXml" ds:itemID="{9DCB7072-ECB6-4F54-AA7F-115C374A178B}">
-  <ds:schemaRefs>
-    <ds:schemaRef ds:uri="http://schemas.microsoft.com/sharepoint/v3/contenttype/forms"/>
-  </ds:schemaRefs>
-</ds:datastoreItem>
-</file>
-
 <file path=docMetadata/LabelInfo.xml><?xml version="1.0" encoding="utf-8"?>
 <clbl:labelList xmlns:clbl="http://schemas.microsoft.com/office/2020/mipLabelMetadata">
   <clbl:label id="{1f4beacd-b7aa-49b2-aaa1-b8525cb257e0}" enabled="0" method="" siteId="{1f4beacd-b7aa-49b2-aaa1-b8525cb257e0}" removed="1"/>
